--- a/Presentations/1.2 JD+ 3.0 Overview.pptx
+++ b/Presentations/1.2 JD+ 3.0 Overview.pptx
@@ -5,16 +5,13 @@
     <p:sldMasterId id="2147483648" r:id="rId4"/>
   </p:sldMasterIdLst>
   <p:notesMasterIdLst>
-    <p:notesMasterId r:id="rId12"/>
+    <p:notesMasterId r:id="rId9"/>
   </p:notesMasterIdLst>
   <p:sldIdLst>
     <p:sldId id="273" r:id="rId5"/>
     <p:sldId id="265" r:id="rId6"/>
     <p:sldId id="270" r:id="rId7"/>
-    <p:sldId id="258" r:id="rId8"/>
-    <p:sldId id="257" r:id="rId9"/>
-    <p:sldId id="262" r:id="rId10"/>
-    <p:sldId id="272" r:id="rId11"/>
+    <p:sldId id="274" r:id="rId8"/>
   </p:sldIdLst>
   <p:sldSz cx="12192000" cy="6858000"/>
   <p:notesSz cx="6858000" cy="9144000"/>
@@ -455,7 +452,7 @@
           <a:p>
             <a:fld id="{F4C4CD30-F813-4C38-8B61-75576B87721C}" type="datetimeFigureOut">
               <a:rPr lang="en-GB" smtClean="0"/>
-              <a:t>11/10/2023</a:t>
+              <a:t>13/10/2023</a:t>
             </a:fld>
             <a:endParaRPr lang="en-GB"/>
           </a:p>
@@ -5065,7 +5062,7 @@
         </p:nvSpPr>
         <p:spPr>
           <a:xfrm>
-            <a:off x="7700168" y="3506536"/>
+            <a:off x="7700167" y="3506805"/>
             <a:ext cx="1812946" cy="928900"/>
           </a:xfrm>
           <a:prstGeom prst="roundRect">
@@ -5312,8 +5309,8 @@
         </p:nvCxnSpPr>
         <p:spPr>
           <a:xfrm rot="10800000" flipV="1">
-            <a:off x="7063424" y="3970985"/>
-            <a:ext cx="636745" cy="3275"/>
+            <a:off x="7063423" y="3971255"/>
+            <a:ext cx="636744" cy="3006"/>
           </a:xfrm>
           <a:prstGeom prst="bentConnector3">
             <a:avLst/>
@@ -5868,8 +5865,8 @@
         </p:nvCxnSpPr>
         <p:spPr>
           <a:xfrm rot="5400000">
-            <a:off x="8277360" y="3177255"/>
-            <a:ext cx="658562" cy="12700"/>
+            <a:off x="8277226" y="3177389"/>
+            <a:ext cx="658831" cy="1"/>
           </a:xfrm>
           <a:prstGeom prst="bentConnector3">
             <a:avLst>
@@ -6527,7 +6524,7 @@
           <p:cNvPr id="2" name="Title 1">
             <a:extLst>
               <a:ext uri="{FF2B5EF4-FFF2-40B4-BE49-F238E27FC236}">
-                <a16:creationId xmlns:a16="http://schemas.microsoft.com/office/drawing/2014/main" id="{B6C90A8E-B916-4312-8DB1-B46213C4C203}"/>
+                <a16:creationId xmlns:a16="http://schemas.microsoft.com/office/drawing/2014/main" id="{FBC67DBD-897D-292F-4804-A100D9585800}"/>
               </a:ext>
             </a:extLst>
           </p:cNvPr>
@@ -6538,585 +6535,33 @@
             <p:ph type="title"/>
           </p:nvPr>
         </p:nvSpPr>
-        <p:spPr>
-          <a:xfrm>
-            <a:off x="707572" y="73853"/>
-            <a:ext cx="10515600" cy="1325563"/>
-          </a:xfrm>
-        </p:spPr>
+        <p:spPr/>
         <p:txBody>
           <a:bodyPr/>
           <a:lstStyle/>
           <a:p>
             <a:r>
               <a:rPr lang="en-GB" dirty="0"/>
-              <a:t>Demetra Toolkit</a:t>
-            </a:r>
-          </a:p>
-        </p:txBody>
-      </p:sp>
-      <p:sp>
-        <p:nvSpPr>
-          <p:cNvPr id="14" name="Rectangle 13">
-            <a:extLst>
-              <a:ext uri="{FF2B5EF4-FFF2-40B4-BE49-F238E27FC236}">
-                <a16:creationId xmlns:a16="http://schemas.microsoft.com/office/drawing/2014/main" id="{83761CDA-AF82-45C9-9D91-10885FF4AEE6}"/>
-              </a:ext>
-            </a:extLst>
-          </p:cNvPr>
-          <p:cNvSpPr/>
-          <p:nvPr/>
-        </p:nvSpPr>
-        <p:spPr>
-          <a:xfrm>
-            <a:off x="246596" y="3104436"/>
-            <a:ext cx="2637420" cy="649127"/>
-          </a:xfrm>
-          <a:prstGeom prst="rect">
-            <a:avLst/>
-          </a:prstGeom>
-        </p:spPr>
-        <p:style>
-          <a:lnRef idx="2">
-            <a:schemeClr val="accent1">
-              <a:shade val="50000"/>
-            </a:schemeClr>
-          </a:lnRef>
-          <a:fillRef idx="1">
-            <a:schemeClr val="accent1"/>
-          </a:fillRef>
-          <a:effectRef idx="0">
-            <a:schemeClr val="accent1"/>
-          </a:effectRef>
-          <a:fontRef idx="minor">
-            <a:schemeClr val="lt1"/>
-          </a:fontRef>
-        </p:style>
-        <p:txBody>
-          <a:bodyPr rtlCol="0" anchor="ctr"/>
-          <a:lstStyle/>
-          <a:p>
-            <a:pPr algn="ctr"/>
-            <a:r>
-              <a:rPr lang="en-GB" dirty="0"/>
-              <a:t>Toolkit-API </a:t>
-            </a:r>
-          </a:p>
-        </p:txBody>
-      </p:sp>
-      <p:cxnSp>
-        <p:nvCxnSpPr>
-          <p:cNvPr id="17" name="Connector: Elbow 16">
-            <a:extLst>
-              <a:ext uri="{FF2B5EF4-FFF2-40B4-BE49-F238E27FC236}">
-                <a16:creationId xmlns:a16="http://schemas.microsoft.com/office/drawing/2014/main" id="{83DCFF99-DB6D-4769-ADCA-1A3B36EC1661}"/>
-              </a:ext>
-            </a:extLst>
-          </p:cNvPr>
-          <p:cNvCxnSpPr>
-            <a:cxnSpLocks/>
-            <a:stCxn id="25" idx="1"/>
-            <a:endCxn id="14" idx="0"/>
-          </p:cNvCxnSpPr>
-          <p:nvPr/>
-        </p:nvCxnSpPr>
-        <p:spPr>
-          <a:xfrm rot="10800000" flipV="1">
-            <a:off x="1565307" y="1723980"/>
-            <a:ext cx="1140575" cy="1380456"/>
-          </a:xfrm>
-          <a:prstGeom prst="bentConnector2">
-            <a:avLst/>
-          </a:prstGeom>
-          <a:ln>
-            <a:tailEnd type="triangle"/>
-          </a:ln>
-        </p:spPr>
-        <p:style>
-          <a:lnRef idx="1">
-            <a:schemeClr val="accent1"/>
-          </a:lnRef>
-          <a:fillRef idx="0">
-            <a:schemeClr val="accent1"/>
-          </a:fillRef>
-          <a:effectRef idx="0">
-            <a:schemeClr val="accent1"/>
-          </a:effectRef>
-          <a:fontRef idx="minor">
-            <a:schemeClr val="tx1"/>
-          </a:fontRef>
-        </p:style>
-      </p:cxnSp>
-      <p:cxnSp>
-        <p:nvCxnSpPr>
-          <p:cNvPr id="19" name="Connector: Elbow 18">
-            <a:extLst>
-              <a:ext uri="{FF2B5EF4-FFF2-40B4-BE49-F238E27FC236}">
-                <a16:creationId xmlns:a16="http://schemas.microsoft.com/office/drawing/2014/main" id="{7C2D6937-1E5A-4AD4-B6F0-964DCBC2D604}"/>
-              </a:ext>
-            </a:extLst>
-          </p:cNvPr>
-          <p:cNvCxnSpPr>
-            <a:cxnSpLocks/>
-            <a:stCxn id="31" idx="1"/>
-            <a:endCxn id="14" idx="2"/>
-          </p:cNvCxnSpPr>
-          <p:nvPr/>
-        </p:nvCxnSpPr>
-        <p:spPr>
-          <a:xfrm rot="10800000">
-            <a:off x="1565306" y="3753563"/>
-            <a:ext cx="2281152" cy="995998"/>
-          </a:xfrm>
-          <a:prstGeom prst="bentConnector2">
-            <a:avLst/>
-          </a:prstGeom>
-          <a:ln>
-            <a:tailEnd type="triangle"/>
-          </a:ln>
-        </p:spPr>
-        <p:style>
-          <a:lnRef idx="1">
-            <a:schemeClr val="accent1"/>
-          </a:lnRef>
-          <a:fillRef idx="0">
-            <a:schemeClr val="accent1"/>
-          </a:fillRef>
-          <a:effectRef idx="0">
-            <a:schemeClr val="accent1"/>
-          </a:effectRef>
-          <a:fontRef idx="minor">
-            <a:schemeClr val="tx1"/>
-          </a:fontRef>
-        </p:style>
-      </p:cxnSp>
-      <p:sp>
-        <p:nvSpPr>
-          <p:cNvPr id="24" name="Rectangle 23">
-            <a:extLst>
-              <a:ext uri="{FF2B5EF4-FFF2-40B4-BE49-F238E27FC236}">
-                <a16:creationId xmlns:a16="http://schemas.microsoft.com/office/drawing/2014/main" id="{F2AF28F8-61CE-49A0-8DF3-183CAF7C942D}"/>
-              </a:ext>
-            </a:extLst>
-          </p:cNvPr>
-          <p:cNvSpPr/>
-          <p:nvPr/>
-        </p:nvSpPr>
-        <p:spPr>
-          <a:xfrm>
-            <a:off x="6300559" y="1466672"/>
-            <a:ext cx="2093468" cy="649127"/>
-          </a:xfrm>
-          <a:prstGeom prst="rect">
-            <a:avLst/>
-          </a:prstGeom>
-        </p:spPr>
-        <p:style>
-          <a:lnRef idx="2">
-            <a:schemeClr val="accent2">
-              <a:shade val="50000"/>
-            </a:schemeClr>
-          </a:lnRef>
-          <a:fillRef idx="1">
-            <a:schemeClr val="accent2"/>
-          </a:fillRef>
-          <a:effectRef idx="0">
-            <a:schemeClr val="accent2"/>
-          </a:effectRef>
-          <a:fontRef idx="minor">
-            <a:schemeClr val="lt1"/>
-          </a:fontRef>
-        </p:style>
-        <p:txBody>
-          <a:bodyPr rtlCol="0" anchor="ctr"/>
-          <a:lstStyle/>
-          <a:p>
-            <a:pPr algn="ctr"/>
-            <a:r>
-              <a:rPr lang="en-GB" dirty="0"/>
-              <a:t>Toolkit-R</a:t>
-            </a:r>
-          </a:p>
-        </p:txBody>
-      </p:sp>
-      <p:sp>
-        <p:nvSpPr>
-          <p:cNvPr id="25" name="Rectangle 24">
-            <a:extLst>
-              <a:ext uri="{FF2B5EF4-FFF2-40B4-BE49-F238E27FC236}">
-                <a16:creationId xmlns:a16="http://schemas.microsoft.com/office/drawing/2014/main" id="{655C1D2C-2056-4E5F-93F9-BA23F3F78F63}"/>
-              </a:ext>
-            </a:extLst>
-          </p:cNvPr>
-          <p:cNvSpPr/>
-          <p:nvPr/>
-        </p:nvSpPr>
-        <p:spPr>
-          <a:xfrm>
-            <a:off x="2705881" y="1399416"/>
-            <a:ext cx="2093468" cy="649127"/>
-          </a:xfrm>
-          <a:prstGeom prst="rect">
-            <a:avLst/>
-          </a:prstGeom>
-          <a:solidFill>
-            <a:schemeClr val="accent3"/>
-          </a:solidFill>
-        </p:spPr>
-        <p:style>
-          <a:lnRef idx="2">
-            <a:schemeClr val="accent6">
-              <a:shade val="50000"/>
-            </a:schemeClr>
-          </a:lnRef>
-          <a:fillRef idx="1">
-            <a:schemeClr val="accent6"/>
-          </a:fillRef>
-          <a:effectRef idx="0">
-            <a:schemeClr val="accent6"/>
-          </a:effectRef>
-          <a:fontRef idx="minor">
-            <a:schemeClr val="lt1"/>
-          </a:fontRef>
-        </p:style>
-        <p:txBody>
-          <a:bodyPr rtlCol="0" anchor="ctr"/>
-          <a:lstStyle/>
-          <a:p>
-            <a:pPr algn="ctr"/>
-            <a:r>
-              <a:rPr lang="en-GB" dirty="0"/>
-              <a:t>Toolkit-IO</a:t>
-            </a:r>
-          </a:p>
-        </p:txBody>
-      </p:sp>
-      <p:sp>
-        <p:nvSpPr>
-          <p:cNvPr id="26" name="Rectangle 25">
-            <a:extLst>
-              <a:ext uri="{FF2B5EF4-FFF2-40B4-BE49-F238E27FC236}">
-                <a16:creationId xmlns:a16="http://schemas.microsoft.com/office/drawing/2014/main" id="{F18E85FF-464E-4439-94BD-13B23D773C49}"/>
-              </a:ext>
-            </a:extLst>
-          </p:cNvPr>
-          <p:cNvSpPr/>
-          <p:nvPr/>
-        </p:nvSpPr>
-        <p:spPr>
-          <a:xfrm>
-            <a:off x="4558994" y="3670944"/>
-            <a:ext cx="5928349" cy="649126"/>
-          </a:xfrm>
-          <a:prstGeom prst="rect">
-            <a:avLst/>
-          </a:prstGeom>
-        </p:spPr>
-        <p:style>
-          <a:lnRef idx="1">
-            <a:schemeClr val="accent4"/>
-          </a:lnRef>
-          <a:fillRef idx="2">
-            <a:schemeClr val="accent4"/>
-          </a:fillRef>
-          <a:effectRef idx="1">
-            <a:schemeClr val="accent4"/>
-          </a:effectRef>
-          <a:fontRef idx="minor">
-            <a:schemeClr val="dk1"/>
-          </a:fontRef>
-        </p:style>
-        <p:txBody>
-          <a:bodyPr rtlCol="0" anchor="ctr"/>
-          <a:lstStyle/>
-          <a:p>
-            <a:pPr algn="ctr"/>
-            <a:r>
-              <a:rPr lang="en-GB" dirty="0"/>
-              <a:t>Toolkit-Basic</a:t>
-            </a:r>
-          </a:p>
-        </p:txBody>
-      </p:sp>
-      <p:sp>
-        <p:nvSpPr>
-          <p:cNvPr id="27" name="Rectangle 26">
-            <a:extLst>
-              <a:ext uri="{FF2B5EF4-FFF2-40B4-BE49-F238E27FC236}">
-                <a16:creationId xmlns:a16="http://schemas.microsoft.com/office/drawing/2014/main" id="{062DB724-7EB3-448D-BCC3-DED450646174}"/>
-              </a:ext>
-            </a:extLst>
-          </p:cNvPr>
-          <p:cNvSpPr/>
-          <p:nvPr/>
-        </p:nvSpPr>
-        <p:spPr>
-          <a:xfrm>
-            <a:off x="4558994" y="4587116"/>
-            <a:ext cx="2556588" cy="649126"/>
-          </a:xfrm>
-          <a:prstGeom prst="rect">
-            <a:avLst/>
-          </a:prstGeom>
-        </p:spPr>
-        <p:style>
-          <a:lnRef idx="1">
-            <a:schemeClr val="accent4"/>
-          </a:lnRef>
-          <a:fillRef idx="2">
-            <a:schemeClr val="accent4"/>
-          </a:fillRef>
-          <a:effectRef idx="1">
-            <a:schemeClr val="accent4"/>
-          </a:effectRef>
-          <a:fontRef idx="minor">
-            <a:schemeClr val="dk1"/>
-          </a:fontRef>
-        </p:style>
-        <p:txBody>
-          <a:bodyPr rtlCol="0" anchor="ctr"/>
-          <a:lstStyle/>
-          <a:p>
-            <a:pPr algn="ctr"/>
-            <a:r>
-              <a:rPr lang="en-GB" dirty="0"/>
-              <a:t>Toolkit-Modelling</a:t>
-            </a:r>
-          </a:p>
-        </p:txBody>
-      </p:sp>
-      <p:sp>
-        <p:nvSpPr>
-          <p:cNvPr id="28" name="Rectangle 27">
-            <a:extLst>
-              <a:ext uri="{FF2B5EF4-FFF2-40B4-BE49-F238E27FC236}">
-                <a16:creationId xmlns:a16="http://schemas.microsoft.com/office/drawing/2014/main" id="{DF20DF1D-438C-420F-8484-BF7A6540E5D5}"/>
-              </a:ext>
-            </a:extLst>
-          </p:cNvPr>
-          <p:cNvSpPr/>
-          <p:nvPr/>
-        </p:nvSpPr>
-        <p:spPr>
-          <a:xfrm>
-            <a:off x="7930756" y="4587116"/>
-            <a:ext cx="2556588" cy="649126"/>
-          </a:xfrm>
-          <a:prstGeom prst="rect">
-            <a:avLst/>
-          </a:prstGeom>
-        </p:spPr>
-        <p:style>
-          <a:lnRef idx="1">
-            <a:schemeClr val="accent4"/>
-          </a:lnRef>
-          <a:fillRef idx="2">
-            <a:schemeClr val="accent4"/>
-          </a:fillRef>
-          <a:effectRef idx="1">
-            <a:schemeClr val="accent4"/>
-          </a:effectRef>
-          <a:fontRef idx="minor">
-            <a:schemeClr val="dk1"/>
-          </a:fontRef>
-        </p:style>
-        <p:txBody>
-          <a:bodyPr rtlCol="0" anchor="ctr"/>
-          <a:lstStyle/>
-          <a:p>
-            <a:pPr algn="ctr"/>
-            <a:r>
-              <a:rPr lang="en-GB" dirty="0"/>
-              <a:t>Toolkit-</a:t>
-            </a:r>
-            <a:r>
-              <a:rPr lang="en-GB" dirty="0" err="1"/>
-              <a:t>Ssf</a:t>
-            </a:r>
-            <a:endParaRPr lang="en-GB" dirty="0"/>
-          </a:p>
-        </p:txBody>
-      </p:sp>
-      <p:sp>
-        <p:nvSpPr>
-          <p:cNvPr id="29" name="Rectangle 28">
-            <a:extLst>
-              <a:ext uri="{FF2B5EF4-FFF2-40B4-BE49-F238E27FC236}">
-                <a16:creationId xmlns:a16="http://schemas.microsoft.com/office/drawing/2014/main" id="{EA3C7FC9-A1AB-4F56-B696-00CB82642618}"/>
-              </a:ext>
-            </a:extLst>
-          </p:cNvPr>
-          <p:cNvSpPr/>
-          <p:nvPr/>
-        </p:nvSpPr>
-        <p:spPr>
-          <a:xfrm>
-            <a:off x="4610313" y="5503288"/>
-            <a:ext cx="2556588" cy="649126"/>
-          </a:xfrm>
-          <a:prstGeom prst="rect">
-            <a:avLst/>
-          </a:prstGeom>
-        </p:spPr>
-        <p:style>
-          <a:lnRef idx="1">
-            <a:schemeClr val="accent4"/>
-          </a:lnRef>
-          <a:fillRef idx="2">
-            <a:schemeClr val="accent4"/>
-          </a:fillRef>
-          <a:effectRef idx="1">
-            <a:schemeClr val="accent4"/>
-          </a:effectRef>
-          <a:fontRef idx="minor">
-            <a:schemeClr val="dk1"/>
-          </a:fontRef>
-        </p:style>
-        <p:txBody>
-          <a:bodyPr rtlCol="0" anchor="ctr"/>
-          <a:lstStyle/>
-          <a:p>
-            <a:pPr algn="ctr"/>
-            <a:r>
-              <a:rPr lang="en-GB" dirty="0"/>
-              <a:t>Toolkit-</a:t>
-            </a:r>
-            <a:r>
-              <a:rPr lang="en-GB" dirty="0" err="1"/>
-              <a:t>RegArima</a:t>
-            </a:r>
-            <a:endParaRPr lang="en-GB" dirty="0"/>
-          </a:p>
-        </p:txBody>
-      </p:sp>
-      <p:sp>
-        <p:nvSpPr>
-          <p:cNvPr id="31" name="Rectangle: Rounded Corners 30">
-            <a:extLst>
-              <a:ext uri="{FF2B5EF4-FFF2-40B4-BE49-F238E27FC236}">
-                <a16:creationId xmlns:a16="http://schemas.microsoft.com/office/drawing/2014/main" id="{05620A45-9BD3-4838-A8FF-491433CC4D13}"/>
-              </a:ext>
-            </a:extLst>
-          </p:cNvPr>
-          <p:cNvSpPr/>
-          <p:nvPr/>
-        </p:nvSpPr>
-        <p:spPr>
-          <a:xfrm>
-            <a:off x="3846458" y="3027058"/>
-            <a:ext cx="7001671" cy="3445006"/>
-          </a:xfrm>
-          <a:prstGeom prst="roundRect">
-            <a:avLst/>
-          </a:prstGeom>
-          <a:noFill/>
-        </p:spPr>
-        <p:style>
-          <a:lnRef idx="2">
-            <a:schemeClr val="accent1">
-              <a:shade val="50000"/>
-            </a:schemeClr>
-          </a:lnRef>
-          <a:fillRef idx="1">
-            <a:schemeClr val="accent1"/>
-          </a:fillRef>
-          <a:effectRef idx="0">
-            <a:schemeClr val="accent1"/>
-          </a:effectRef>
-          <a:fontRef idx="minor">
-            <a:schemeClr val="lt1"/>
-          </a:fontRef>
-        </p:style>
-        <p:txBody>
-          <a:bodyPr rtlCol="0" anchor="t" anchorCtr="0"/>
-          <a:lstStyle/>
-          <a:p>
-            <a:r>
-              <a:rPr lang="en-GB" dirty="0">
-                <a:ln>
-                  <a:solidFill>
-                    <a:schemeClr val="accent1">
-                      <a:shade val="50000"/>
-                    </a:schemeClr>
-                  </a:solidFill>
-                </a:ln>
-                <a:solidFill>
-                  <a:schemeClr val="tx1"/>
-                </a:solidFill>
-              </a:rPr>
-              <a:t>Toolkit-Core</a:t>
-            </a:r>
-            <a:endParaRPr lang="en-GB" dirty="0">
-              <a:ln>
-                <a:solidFill>
-                  <a:schemeClr val="accent1">
-                    <a:shade val="50000"/>
-                  </a:schemeClr>
-                </a:solidFill>
-              </a:ln>
-            </a:endParaRPr>
-          </a:p>
-        </p:txBody>
-      </p:sp>
-      <p:cxnSp>
-        <p:nvCxnSpPr>
-          <p:cNvPr id="32" name="Connector: Elbow 31">
-            <a:extLst>
-              <a:ext uri="{FF2B5EF4-FFF2-40B4-BE49-F238E27FC236}">
-                <a16:creationId xmlns:a16="http://schemas.microsoft.com/office/drawing/2014/main" id="{D1FF6054-E638-4990-9628-6D1D20D94423}"/>
-              </a:ext>
-            </a:extLst>
-          </p:cNvPr>
-          <p:cNvCxnSpPr>
-            <a:cxnSpLocks/>
-            <a:stCxn id="24" idx="2"/>
-            <a:endCxn id="31" idx="0"/>
-          </p:cNvCxnSpPr>
-          <p:nvPr/>
-        </p:nvCxnSpPr>
-        <p:spPr>
-          <a:xfrm rot="16200000" flipH="1">
-            <a:off x="6891664" y="2571427"/>
-            <a:ext cx="911259" cy="1"/>
-          </a:xfrm>
-          <a:prstGeom prst="bentConnector3">
-            <a:avLst>
-              <a:gd name="adj1" fmla="val 50000"/>
-            </a:avLst>
-          </a:prstGeom>
-          <a:ln>
-            <a:tailEnd type="triangle"/>
-          </a:ln>
-        </p:spPr>
-        <p:style>
-          <a:lnRef idx="1">
-            <a:schemeClr val="accent1"/>
-          </a:lnRef>
-          <a:fillRef idx="0">
-            <a:schemeClr val="accent1"/>
-          </a:fillRef>
-          <a:effectRef idx="0">
-            <a:schemeClr val="accent1"/>
-          </a:effectRef>
-          <a:fontRef idx="minor">
-            <a:schemeClr val="tx1"/>
-          </a:fontRef>
-        </p:style>
-      </p:cxnSp>
-      <p:sp>
-        <p:nvSpPr>
-          <p:cNvPr id="3" name="Date Placeholder 2">
-            <a:extLst>
-              <a:ext uri="{FF2B5EF4-FFF2-40B4-BE49-F238E27FC236}">
-                <a16:creationId xmlns:a16="http://schemas.microsoft.com/office/drawing/2014/main" id="{ABB9E04E-E28E-48E8-8C61-8C75E1D0A757}"/>
-              </a:ext>
-            </a:extLst>
-          </p:cNvPr>
-          <p:cNvSpPr>
-            <a:spLocks noGrp="1"/>
-          </p:cNvSpPr>
-          <p:nvPr>
-            <p:ph type="dt" sz="half" idx="10"/>
+              <a:t>2. JDemetra 3: new design </a:t>
+            </a:r>
+            <a:endParaRPr lang="fr-BE" dirty="0"/>
+          </a:p>
+        </p:txBody>
+      </p:sp>
+      <p:sp>
+        <p:nvSpPr>
+          <p:cNvPr id="3" name="Content Placeholder 2">
+            <a:extLst>
+              <a:ext uri="{FF2B5EF4-FFF2-40B4-BE49-F238E27FC236}">
+                <a16:creationId xmlns:a16="http://schemas.microsoft.com/office/drawing/2014/main" id="{90122B06-AD79-914A-448B-FA468CD079DB}"/>
+              </a:ext>
+            </a:extLst>
+          </p:cNvPr>
+          <p:cNvSpPr>
+            <a:spLocks noGrp="1"/>
+          </p:cNvSpPr>
+          <p:nvPr>
+            <p:ph idx="1"/>
           </p:nvPr>
         </p:nvSpPr>
         <p:spPr/>
@@ -7125,6 +6570,156 @@
           <a:lstStyle/>
           <a:p>
             <a:r>
+              <a:rPr lang="fr-BE" dirty="0" err="1"/>
+              <a:t>Jdplus</a:t>
+            </a:r>
+            <a:r>
+              <a:rPr lang="fr-BE" dirty="0"/>
+              <a:t>-main</a:t>
+            </a:r>
+          </a:p>
+          <a:p>
+            <a:pPr lvl="1"/>
+            <a:r>
+              <a:rPr lang="fr-BE" dirty="0"/>
+              <a:t>Base</a:t>
+            </a:r>
+          </a:p>
+          <a:p>
+            <a:pPr lvl="2"/>
+            <a:r>
+              <a:rPr lang="fr-BE" dirty="0"/>
+              <a:t>Toolkit / Sa / </a:t>
+            </a:r>
+            <a:r>
+              <a:rPr lang="fr-BE" dirty="0" err="1"/>
+              <a:t>TramoSeats</a:t>
+            </a:r>
+            <a:r>
+              <a:rPr lang="fr-BE" dirty="0"/>
+              <a:t> / X13 / Ts providers</a:t>
+            </a:r>
+          </a:p>
+          <a:p>
+            <a:pPr lvl="2"/>
+            <a:r>
+              <a:rPr lang="fr-BE" dirty="0"/>
+              <a:t>API / </a:t>
+            </a:r>
+            <a:r>
+              <a:rPr lang="fr-BE" dirty="0" err="1"/>
+              <a:t>Core</a:t>
+            </a:r>
+            <a:r>
+              <a:rPr lang="fr-BE" dirty="0"/>
+              <a:t> / R / </a:t>
+            </a:r>
+            <a:r>
+              <a:rPr lang="fr-BE" dirty="0" err="1"/>
+              <a:t>Protobuf</a:t>
+            </a:r>
+            <a:r>
+              <a:rPr lang="fr-BE" dirty="0"/>
+              <a:t> …</a:t>
+            </a:r>
+          </a:p>
+          <a:p>
+            <a:pPr lvl="1"/>
+            <a:r>
+              <a:rPr lang="fr-BE" dirty="0" err="1"/>
+              <a:t>Cli</a:t>
+            </a:r>
+            <a:r>
+              <a:rPr lang="fr-BE" dirty="0"/>
+              <a:t> (cruncher…)</a:t>
+            </a:r>
+          </a:p>
+          <a:p>
+            <a:pPr lvl="1"/>
+            <a:r>
+              <a:rPr lang="fr-BE" dirty="0"/>
+              <a:t>Desktop (GUI)</a:t>
+            </a:r>
+          </a:p>
+          <a:p>
+            <a:r>
+              <a:rPr lang="fr-BE" dirty="0" err="1"/>
+              <a:t>Jdplus-incubator</a:t>
+            </a:r>
+            <a:endParaRPr lang="fr-BE" dirty="0"/>
+          </a:p>
+          <a:p>
+            <a:pPr lvl="1"/>
+            <a:r>
+              <a:rPr lang="fr-BE" dirty="0"/>
+              <a:t>STL, STS, high-</a:t>
+            </a:r>
+            <a:r>
+              <a:rPr lang="fr-BE" dirty="0" err="1"/>
+              <a:t>frequency</a:t>
+            </a:r>
+            <a:r>
+              <a:rPr lang="fr-BE" dirty="0"/>
+              <a:t>…</a:t>
+            </a:r>
+          </a:p>
+          <a:p>
+            <a:r>
+              <a:rPr lang="fr-BE" dirty="0" err="1"/>
+              <a:t>Jdplus</a:t>
+            </a:r>
+            <a:r>
+              <a:rPr lang="fr-BE" dirty="0"/>
+              <a:t>-benchmarking / </a:t>
+            </a:r>
+            <a:r>
+              <a:rPr lang="fr-BE" dirty="0" err="1"/>
+              <a:t>jdplus-nowcasting</a:t>
+            </a:r>
+            <a:r>
+              <a:rPr lang="fr-BE" dirty="0"/>
+              <a:t> / </a:t>
+            </a:r>
+            <a:r>
+              <a:rPr lang="fr-BE" dirty="0" err="1"/>
+              <a:t>jdplus-revisions</a:t>
+            </a:r>
+            <a:r>
+              <a:rPr lang="fr-BE" dirty="0"/>
+              <a:t>…</a:t>
+            </a:r>
+          </a:p>
+          <a:p>
+            <a:r>
+              <a:rPr lang="fr-BE" dirty="0" err="1"/>
+              <a:t>Jdplus-experimental</a:t>
+            </a:r>
+            <a:endParaRPr lang="fr-BE" dirty="0"/>
+          </a:p>
+        </p:txBody>
+      </p:sp>
+      <p:sp>
+        <p:nvSpPr>
+          <p:cNvPr id="4" name="Date Placeholder 3">
+            <a:extLst>
+              <a:ext uri="{FF2B5EF4-FFF2-40B4-BE49-F238E27FC236}">
+                <a16:creationId xmlns:a16="http://schemas.microsoft.com/office/drawing/2014/main" id="{530BD2BC-D1C5-DB43-FE2B-7EB12B8FC830}"/>
+              </a:ext>
+            </a:extLst>
+          </p:cNvPr>
+          <p:cNvSpPr>
+            <a:spLocks noGrp="1"/>
+          </p:cNvSpPr>
+          <p:nvPr>
+            <p:ph type="dt" sz="half" idx="10"/>
+          </p:nvPr>
+        </p:nvSpPr>
+        <p:spPr/>
+        <p:txBody>
+          <a:bodyPr/>
+          <a:lstStyle/>
+          <a:p>
+            <a:r>
               <a:rPr lang="fr-FR"/>
               <a:t>17-19/10/2023</a:t>
             </a:r>
@@ -7134,10 +6729,10 @@
       </p:sp>
       <p:sp>
         <p:nvSpPr>
-          <p:cNvPr id="4" name="Footer Placeholder 3">
-            <a:extLst>
-              <a:ext uri="{FF2B5EF4-FFF2-40B4-BE49-F238E27FC236}">
-                <a16:creationId xmlns:a16="http://schemas.microsoft.com/office/drawing/2014/main" id="{48EA78AA-5F4E-413B-86BD-AC41C6286C0A}"/>
+          <p:cNvPr id="5" name="Footer Placeholder 4">
+            <a:extLst>
+              <a:ext uri="{FF2B5EF4-FFF2-40B4-BE49-F238E27FC236}">
+                <a16:creationId xmlns:a16="http://schemas.microsoft.com/office/drawing/2014/main" id="{46AACAB2-9C43-44F3-836C-E7A53B5C339C}"/>
               </a:ext>
             </a:extLst>
           </p:cNvPr>
@@ -7163,711 +6758,7 @@
     </p:spTree>
     <p:extLst>
       <p:ext uri="{BB962C8B-B14F-4D97-AF65-F5344CB8AC3E}">
-        <p14:creationId xmlns:p14="http://schemas.microsoft.com/office/powerpoint/2010/main" val="4170433872"/>
-      </p:ext>
-    </p:extLst>
-  </p:cSld>
-  <p:clrMapOvr>
-    <a:masterClrMapping/>
-  </p:clrMapOvr>
-</p:sld>
-</file>
-
-<file path=ppt/slides/slide5.xml><?xml version="1.0" encoding="utf-8"?>
-<p:sld xmlns:a="http://schemas.openxmlformats.org/drawingml/2006/main" xmlns:r="http://schemas.openxmlformats.org/officeDocument/2006/relationships" xmlns:p="http://schemas.openxmlformats.org/presentationml/2006/main">
-  <p:cSld>
-    <p:spTree>
-      <p:nvGrpSpPr>
-        <p:cNvPr id="1" name=""/>
-        <p:cNvGrpSpPr/>
-        <p:nvPr/>
-      </p:nvGrpSpPr>
-      <p:grpSpPr>
-        <a:xfrm>
-          <a:off x="0" y="0"/>
-          <a:ext cx="0" cy="0"/>
-          <a:chOff x="0" y="0"/>
-          <a:chExt cx="0" cy="0"/>
-        </a:xfrm>
-      </p:grpSpPr>
-      <p:sp>
-        <p:nvSpPr>
-          <p:cNvPr id="2" name="Title 1">
-            <a:extLst>
-              <a:ext uri="{FF2B5EF4-FFF2-40B4-BE49-F238E27FC236}">
-                <a16:creationId xmlns:a16="http://schemas.microsoft.com/office/drawing/2014/main" id="{982209E1-03B2-4D9A-B9F8-5F9D2E505AC6}"/>
-              </a:ext>
-            </a:extLst>
-          </p:cNvPr>
-          <p:cNvSpPr>
-            <a:spLocks noGrp="1"/>
-          </p:cNvSpPr>
-          <p:nvPr>
-            <p:ph type="title"/>
-          </p:nvPr>
-        </p:nvSpPr>
-        <p:spPr/>
-        <p:txBody>
-          <a:bodyPr/>
-          <a:lstStyle/>
-          <a:p>
-            <a:r>
-              <a:rPr lang="en-GB" dirty="0"/>
-              <a:t>3. Main blocks (I)</a:t>
-            </a:r>
-          </a:p>
-        </p:txBody>
-      </p:sp>
-      <p:sp>
-        <p:nvSpPr>
-          <p:cNvPr id="3" name="Content Placeholder 2">
-            <a:extLst>
-              <a:ext uri="{FF2B5EF4-FFF2-40B4-BE49-F238E27FC236}">
-                <a16:creationId xmlns:a16="http://schemas.microsoft.com/office/drawing/2014/main" id="{949C2041-AD88-4EF1-B08C-E73F5478D029}"/>
-              </a:ext>
-            </a:extLst>
-          </p:cNvPr>
-          <p:cNvSpPr>
-            <a:spLocks noGrp="1"/>
-          </p:cNvSpPr>
-          <p:nvPr>
-            <p:ph idx="1"/>
-          </p:nvPr>
-        </p:nvSpPr>
-        <p:spPr/>
-        <p:txBody>
-          <a:bodyPr>
-            <a:normAutofit/>
-          </a:bodyPr>
-          <a:lstStyle/>
-          <a:p>
-            <a:r>
-              <a:rPr lang="en-GB" dirty="0"/>
-              <a:t>Toolkit: low-level algorithms</a:t>
-            </a:r>
-          </a:p>
-          <a:p>
-            <a:pPr lvl="1"/>
-            <a:r>
-              <a:rPr lang="en-GB" dirty="0"/>
-              <a:t>Matrices, polynomials, optimization, stats, distributions, time series, calendars, …</a:t>
-            </a:r>
-          </a:p>
-          <a:p>
-            <a:pPr lvl="1"/>
-            <a:r>
-              <a:rPr lang="en-GB" dirty="0"/>
-              <a:t>ARIMA modelling, </a:t>
-            </a:r>
-            <a:r>
-              <a:rPr lang="en-GB" dirty="0" err="1"/>
-              <a:t>ssf</a:t>
-            </a:r>
-            <a:r>
-              <a:rPr lang="en-GB" dirty="0"/>
-              <a:t>, , </a:t>
-            </a:r>
-            <a:r>
-              <a:rPr lang="en-GB" dirty="0" err="1"/>
-              <a:t>RegArima</a:t>
-            </a:r>
-            <a:r>
-              <a:rPr lang="en-GB" dirty="0"/>
-              <a:t>…</a:t>
-            </a:r>
-          </a:p>
-          <a:p>
-            <a:r>
-              <a:rPr lang="en-GB" dirty="0"/>
-              <a:t>Toolkit-SA: </a:t>
-            </a:r>
-          </a:p>
-          <a:p>
-            <a:pPr lvl="1"/>
-            <a:r>
-              <a:rPr lang="en-GB" dirty="0"/>
-              <a:t>Generic SA routines (diagnostics…)</a:t>
-            </a:r>
-          </a:p>
-          <a:p>
-            <a:pPr lvl="1"/>
-            <a:r>
-              <a:rPr lang="en-GB" dirty="0" err="1"/>
-              <a:t>TramoSeats</a:t>
-            </a:r>
-            <a:r>
-              <a:rPr lang="en-GB" dirty="0"/>
-              <a:t>, X13</a:t>
-            </a:r>
-          </a:p>
-          <a:p>
-            <a:pPr lvl="1"/>
-            <a:r>
-              <a:rPr lang="en-GB" dirty="0"/>
-              <a:t>STL</a:t>
-            </a:r>
-          </a:p>
-          <a:p>
-            <a:pPr lvl="1"/>
-            <a:r>
-              <a:rPr lang="en-GB" dirty="0"/>
-              <a:t>Experimental modules</a:t>
-            </a:r>
-          </a:p>
-          <a:p>
-            <a:pPr lvl="2"/>
-            <a:r>
-              <a:rPr lang="en-GB" dirty="0"/>
-              <a:t>High-frequency, alternative filters</a:t>
-            </a:r>
-          </a:p>
-          <a:p>
-            <a:endParaRPr lang="en-GB" dirty="0"/>
-          </a:p>
-          <a:p>
-            <a:endParaRPr lang="en-GB" dirty="0"/>
-          </a:p>
-        </p:txBody>
-      </p:sp>
-      <p:sp>
-        <p:nvSpPr>
-          <p:cNvPr id="4" name="Date Placeholder 3">
-            <a:extLst>
-              <a:ext uri="{FF2B5EF4-FFF2-40B4-BE49-F238E27FC236}">
-                <a16:creationId xmlns:a16="http://schemas.microsoft.com/office/drawing/2014/main" id="{28FA0B7D-990C-4AF9-B9B5-076857CEEC91}"/>
-              </a:ext>
-            </a:extLst>
-          </p:cNvPr>
-          <p:cNvSpPr>
-            <a:spLocks noGrp="1"/>
-          </p:cNvSpPr>
-          <p:nvPr>
-            <p:ph type="dt" sz="half" idx="10"/>
-          </p:nvPr>
-        </p:nvSpPr>
-        <p:spPr/>
-        <p:txBody>
-          <a:bodyPr/>
-          <a:lstStyle/>
-          <a:p>
-            <a:r>
-              <a:rPr lang="fr-FR"/>
-              <a:t>17-19/10/2023</a:t>
-            </a:r>
-            <a:endParaRPr lang="en-GB"/>
-          </a:p>
-        </p:txBody>
-      </p:sp>
-      <p:sp>
-        <p:nvSpPr>
-          <p:cNvPr id="5" name="Footer Placeholder 4">
-            <a:extLst>
-              <a:ext uri="{FF2B5EF4-FFF2-40B4-BE49-F238E27FC236}">
-                <a16:creationId xmlns:a16="http://schemas.microsoft.com/office/drawing/2014/main" id="{873890EF-5CD2-4CA7-B5AD-7E5477C3B6A7}"/>
-              </a:ext>
-            </a:extLst>
-          </p:cNvPr>
-          <p:cNvSpPr>
-            <a:spLocks noGrp="1"/>
-          </p:cNvSpPr>
-          <p:nvPr>
-            <p:ph type="ftr" sz="quarter" idx="11"/>
-          </p:nvPr>
-        </p:nvSpPr>
-        <p:spPr/>
-        <p:txBody>
-          <a:bodyPr/>
-          <a:lstStyle/>
-          <a:p>
-            <a:r>
-              <a:rPr lang="en-GB"/>
-              <a:t>CONTRACTORS ORGANISING SOME OF THE COURSES ARE ACTING UNDER A FRAMEWORK CONTRACT CONCLUDED WITH THE COMMISSION</a:t>
-            </a:r>
-          </a:p>
-        </p:txBody>
-      </p:sp>
-    </p:spTree>
-    <p:extLst>
-      <p:ext uri="{BB962C8B-B14F-4D97-AF65-F5344CB8AC3E}">
-        <p14:creationId xmlns:p14="http://schemas.microsoft.com/office/powerpoint/2010/main" val="1569308697"/>
-      </p:ext>
-    </p:extLst>
-  </p:cSld>
-  <p:clrMapOvr>
-    <a:masterClrMapping/>
-  </p:clrMapOvr>
-</p:sld>
-</file>
-
-<file path=ppt/slides/slide6.xml><?xml version="1.0" encoding="utf-8"?>
-<p:sld xmlns:a="http://schemas.openxmlformats.org/drawingml/2006/main" xmlns:r="http://schemas.openxmlformats.org/officeDocument/2006/relationships" xmlns:p="http://schemas.openxmlformats.org/presentationml/2006/main">
-  <p:cSld>
-    <p:spTree>
-      <p:nvGrpSpPr>
-        <p:cNvPr id="1" name=""/>
-        <p:cNvGrpSpPr/>
-        <p:nvPr/>
-      </p:nvGrpSpPr>
-      <p:grpSpPr>
-        <a:xfrm>
-          <a:off x="0" y="0"/>
-          <a:ext cx="0" cy="0"/>
-          <a:chOff x="0" y="0"/>
-          <a:chExt cx="0" cy="0"/>
-        </a:xfrm>
-      </p:grpSpPr>
-      <p:sp>
-        <p:nvSpPr>
-          <p:cNvPr id="2" name="Title 1">
-            <a:extLst>
-              <a:ext uri="{FF2B5EF4-FFF2-40B4-BE49-F238E27FC236}">
-                <a16:creationId xmlns:a16="http://schemas.microsoft.com/office/drawing/2014/main" id="{982209E1-03B2-4D9A-B9F8-5F9D2E505AC6}"/>
-              </a:ext>
-            </a:extLst>
-          </p:cNvPr>
-          <p:cNvSpPr>
-            <a:spLocks noGrp="1"/>
-          </p:cNvSpPr>
-          <p:nvPr>
-            <p:ph type="title"/>
-          </p:nvPr>
-        </p:nvSpPr>
-        <p:spPr/>
-        <p:txBody>
-          <a:bodyPr/>
-          <a:lstStyle/>
-          <a:p>
-            <a:r>
-              <a:rPr lang="en-GB" dirty="0"/>
-              <a:t>3. Main blocks (II)</a:t>
-            </a:r>
-          </a:p>
-        </p:txBody>
-      </p:sp>
-      <p:sp>
-        <p:nvSpPr>
-          <p:cNvPr id="3" name="Content Placeholder 2">
-            <a:extLst>
-              <a:ext uri="{FF2B5EF4-FFF2-40B4-BE49-F238E27FC236}">
-                <a16:creationId xmlns:a16="http://schemas.microsoft.com/office/drawing/2014/main" id="{949C2041-AD88-4EF1-B08C-E73F5478D029}"/>
-              </a:ext>
-            </a:extLst>
-          </p:cNvPr>
-          <p:cNvSpPr>
-            <a:spLocks noGrp="1"/>
-          </p:cNvSpPr>
-          <p:nvPr>
-            <p:ph idx="1"/>
-          </p:nvPr>
-        </p:nvSpPr>
-        <p:spPr/>
-        <p:txBody>
-          <a:bodyPr>
-            <a:normAutofit lnSpcReduction="10000"/>
-          </a:bodyPr>
-          <a:lstStyle/>
-          <a:p>
-            <a:r>
-              <a:rPr lang="en-GB" dirty="0"/>
-              <a:t>STS (structural time series)</a:t>
-            </a:r>
-          </a:p>
-          <a:p>
-            <a:r>
-              <a:rPr lang="en-GB" dirty="0"/>
-              <a:t>Toolkit-Benchmarking</a:t>
-            </a:r>
-          </a:p>
-          <a:p>
-            <a:r>
-              <a:rPr lang="en-GB" dirty="0"/>
-              <a:t>Business cycle</a:t>
-            </a:r>
-          </a:p>
-          <a:p>
-            <a:pPr lvl="1"/>
-            <a:r>
-              <a:rPr lang="en-GB" dirty="0"/>
-              <a:t>HP, Modified HP</a:t>
-            </a:r>
-          </a:p>
-          <a:p>
-            <a:r>
-              <a:rPr lang="en-GB" dirty="0"/>
-              <a:t>Nowcasting (TODO)</a:t>
-            </a:r>
-          </a:p>
-          <a:p>
-            <a:pPr lvl="1"/>
-            <a:r>
-              <a:rPr lang="en-GB" dirty="0"/>
-              <a:t>DFM…</a:t>
-            </a:r>
-          </a:p>
-          <a:p>
-            <a:r>
-              <a:rPr lang="en-GB" dirty="0"/>
-              <a:t>Calendars</a:t>
-            </a:r>
-          </a:p>
-          <a:p>
-            <a:pPr lvl="1"/>
-            <a:r>
-              <a:rPr lang="en-GB" dirty="0"/>
-              <a:t>Moving holidays, special calendars (Chinese…)</a:t>
-            </a:r>
-          </a:p>
-          <a:p>
-            <a:r>
-              <a:rPr lang="en-GB" dirty="0"/>
-              <a:t>Revisions analysis</a:t>
-            </a:r>
-          </a:p>
-          <a:p>
-            <a:pPr lvl="1"/>
-            <a:r>
-              <a:rPr lang="en-GB" dirty="0"/>
-              <a:t>-&gt;Eurostat</a:t>
-            </a:r>
-          </a:p>
-          <a:p>
-            <a:endParaRPr lang="en-GB" dirty="0"/>
-          </a:p>
-        </p:txBody>
-      </p:sp>
-      <p:sp>
-        <p:nvSpPr>
-          <p:cNvPr id="4" name="Date Placeholder 3">
-            <a:extLst>
-              <a:ext uri="{FF2B5EF4-FFF2-40B4-BE49-F238E27FC236}">
-                <a16:creationId xmlns:a16="http://schemas.microsoft.com/office/drawing/2014/main" id="{0D1C6247-804E-4452-A51E-23952BEEBDD1}"/>
-              </a:ext>
-            </a:extLst>
-          </p:cNvPr>
-          <p:cNvSpPr>
-            <a:spLocks noGrp="1"/>
-          </p:cNvSpPr>
-          <p:nvPr>
-            <p:ph type="dt" sz="half" idx="10"/>
-          </p:nvPr>
-        </p:nvSpPr>
-        <p:spPr/>
-        <p:txBody>
-          <a:bodyPr/>
-          <a:lstStyle/>
-          <a:p>
-            <a:r>
-              <a:rPr lang="fr-FR"/>
-              <a:t>17-19/10/2023</a:t>
-            </a:r>
-            <a:endParaRPr lang="en-GB"/>
-          </a:p>
-        </p:txBody>
-      </p:sp>
-      <p:sp>
-        <p:nvSpPr>
-          <p:cNvPr id="5" name="Footer Placeholder 4">
-            <a:extLst>
-              <a:ext uri="{FF2B5EF4-FFF2-40B4-BE49-F238E27FC236}">
-                <a16:creationId xmlns:a16="http://schemas.microsoft.com/office/drawing/2014/main" id="{C24D183E-BC62-4753-BBAB-8B622998DF92}"/>
-              </a:ext>
-            </a:extLst>
-          </p:cNvPr>
-          <p:cNvSpPr>
-            <a:spLocks noGrp="1"/>
-          </p:cNvSpPr>
-          <p:nvPr>
-            <p:ph type="ftr" sz="quarter" idx="11"/>
-          </p:nvPr>
-        </p:nvSpPr>
-        <p:spPr/>
-        <p:txBody>
-          <a:bodyPr/>
-          <a:lstStyle/>
-          <a:p>
-            <a:r>
-              <a:rPr lang="en-GB"/>
-              <a:t>CONTRACTORS ORGANISING SOME OF THE COURSES ARE ACTING UNDER A FRAMEWORK CONTRACT CONCLUDED WITH THE COMMISSION</a:t>
-            </a:r>
-          </a:p>
-        </p:txBody>
-      </p:sp>
-    </p:spTree>
-    <p:extLst>
-      <p:ext uri="{BB962C8B-B14F-4D97-AF65-F5344CB8AC3E}">
-        <p14:creationId xmlns:p14="http://schemas.microsoft.com/office/powerpoint/2010/main" val="2191499740"/>
-      </p:ext>
-    </p:extLst>
-  </p:cSld>
-  <p:clrMapOvr>
-    <a:masterClrMapping/>
-  </p:clrMapOvr>
-</p:sld>
-</file>
-
-<file path=ppt/slides/slide7.xml><?xml version="1.0" encoding="utf-8"?>
-<p:sld xmlns:a="http://schemas.openxmlformats.org/drawingml/2006/main" xmlns:r="http://schemas.openxmlformats.org/officeDocument/2006/relationships" xmlns:p="http://schemas.openxmlformats.org/presentationml/2006/main">
-  <p:cSld>
-    <p:spTree>
-      <p:nvGrpSpPr>
-        <p:cNvPr id="1" name=""/>
-        <p:cNvGrpSpPr/>
-        <p:nvPr/>
-      </p:nvGrpSpPr>
-      <p:grpSpPr>
-        <a:xfrm>
-          <a:off x="0" y="0"/>
-          <a:ext cx="0" cy="0"/>
-          <a:chOff x="0" y="0"/>
-          <a:chExt cx="0" cy="0"/>
-        </a:xfrm>
-      </p:grpSpPr>
-      <p:sp>
-        <p:nvSpPr>
-          <p:cNvPr id="2" name="Title 1">
-            <a:extLst>
-              <a:ext uri="{FF2B5EF4-FFF2-40B4-BE49-F238E27FC236}">
-                <a16:creationId xmlns:a16="http://schemas.microsoft.com/office/drawing/2014/main" id="{C58A4F22-D24A-4A57-9313-ECA4B6DC69E0}"/>
-              </a:ext>
-            </a:extLst>
-          </p:cNvPr>
-          <p:cNvSpPr>
-            <a:spLocks noGrp="1"/>
-          </p:cNvSpPr>
-          <p:nvPr>
-            <p:ph type="title"/>
-          </p:nvPr>
-        </p:nvSpPr>
-        <p:spPr/>
-        <p:txBody>
-          <a:bodyPr/>
-          <a:lstStyle/>
-          <a:p>
-            <a:r>
-              <a:rPr lang="en-GB"/>
-              <a:t>4. </a:t>
-            </a:r>
-            <a:r>
-              <a:rPr lang="en-GB" dirty="0" err="1"/>
-              <a:t>JDemetra</a:t>
-            </a:r>
-            <a:r>
-              <a:rPr lang="en-GB" dirty="0"/>
-              <a:t> 3.0. New design (cont.)</a:t>
-            </a:r>
-          </a:p>
-        </p:txBody>
-      </p:sp>
-      <p:sp>
-        <p:nvSpPr>
-          <p:cNvPr id="7" name="Content Placeholder 6">
-            <a:extLst>
-              <a:ext uri="{FF2B5EF4-FFF2-40B4-BE49-F238E27FC236}">
-                <a16:creationId xmlns:a16="http://schemas.microsoft.com/office/drawing/2014/main" id="{2DAE1370-CA0F-4A5D-9A0C-ECBCCABD7B30}"/>
-              </a:ext>
-            </a:extLst>
-          </p:cNvPr>
-          <p:cNvSpPr>
-            <a:spLocks noGrp="1"/>
-          </p:cNvSpPr>
-          <p:nvPr>
-            <p:ph idx="1"/>
-          </p:nvPr>
-        </p:nvSpPr>
-        <p:spPr/>
-        <p:txBody>
-          <a:bodyPr/>
-          <a:lstStyle/>
-          <a:p>
-            <a:r>
-              <a:rPr lang="en-GB" dirty="0"/>
-              <a:t>30 projects</a:t>
-            </a:r>
-          </a:p>
-          <a:p>
-            <a:pPr lvl="1"/>
-            <a:r>
-              <a:rPr lang="en-GB" dirty="0"/>
-              <a:t>Separate release schedules</a:t>
-            </a:r>
-          </a:p>
-          <a:p>
-            <a:r>
-              <a:rPr lang="en-GB" dirty="0"/>
-              <a:t>&gt; 150 modules</a:t>
-            </a:r>
-          </a:p>
-          <a:p>
-            <a:endParaRPr lang="en-GB" dirty="0"/>
-          </a:p>
-          <a:p>
-            <a:r>
-              <a:rPr lang="en-GB" dirty="0"/>
-              <a:t>In progress</a:t>
-            </a:r>
-          </a:p>
-          <a:p>
-            <a:pPr lvl="1"/>
-            <a:r>
-              <a:rPr lang="en-GB" dirty="0"/>
-              <a:t>Graphical interfaces</a:t>
-            </a:r>
-          </a:p>
-          <a:p>
-            <a:pPr lvl="2"/>
-            <a:r>
-              <a:rPr lang="en-GB" dirty="0"/>
-              <a:t>JD+ GUI (RC available)</a:t>
-            </a:r>
-          </a:p>
-          <a:p>
-            <a:pPr lvl="2"/>
-            <a:r>
-              <a:rPr lang="en-GB" dirty="0"/>
-              <a:t>Plug-ins</a:t>
-            </a:r>
-          </a:p>
-          <a:p>
-            <a:pPr lvl="1"/>
-            <a:r>
-              <a:rPr lang="en-GB" dirty="0"/>
-              <a:t>R modules</a:t>
-            </a:r>
-          </a:p>
-          <a:p>
-            <a:pPr lvl="1"/>
-            <a:r>
-              <a:rPr lang="en-GB" dirty="0"/>
-              <a:t>WEB-services</a:t>
-            </a:r>
-          </a:p>
-          <a:p>
-            <a:pPr lvl="2"/>
-            <a:endParaRPr lang="en-GB" dirty="0"/>
-          </a:p>
-        </p:txBody>
-      </p:sp>
-      <p:pic>
-        <p:nvPicPr>
-          <p:cNvPr id="8" name="Content Placeholder 3">
-            <a:extLst>
-              <a:ext uri="{FF2B5EF4-FFF2-40B4-BE49-F238E27FC236}">
-                <a16:creationId xmlns:a16="http://schemas.microsoft.com/office/drawing/2014/main" id="{387DBB69-BFD6-4917-9D80-B045D986E93F}"/>
-              </a:ext>
-            </a:extLst>
-          </p:cNvPr>
-          <p:cNvPicPr>
-            <a:picLocks noChangeAspect="1"/>
-          </p:cNvPicPr>
-          <p:nvPr/>
-        </p:nvPicPr>
-        <p:blipFill>
-          <a:blip r:embed="rId2"/>
-          <a:stretch>
-            <a:fillRect/>
-          </a:stretch>
-        </p:blipFill>
-        <p:spPr>
-          <a:xfrm>
-            <a:off x="6774324" y="1891212"/>
-            <a:ext cx="3010320" cy="4220164"/>
-          </a:xfrm>
-          <a:prstGeom prst="rect">
-            <a:avLst/>
-          </a:prstGeom>
-          <a:solidFill>
-            <a:srgbClr val="FFFFFF">
-              <a:shade val="85000"/>
-            </a:srgbClr>
-          </a:solidFill>
-          <a:ln w="88900" cap="sq">
-            <a:solidFill>
-              <a:srgbClr val="FFFFFF"/>
-            </a:solidFill>
-            <a:miter lim="800000"/>
-          </a:ln>
-          <a:effectLst>
-            <a:outerShdw blurRad="55000" dist="18000" dir="5400000" algn="tl" rotWithShape="0">
-              <a:srgbClr val="000000">
-                <a:alpha val="40000"/>
-              </a:srgbClr>
-            </a:outerShdw>
-          </a:effectLst>
-          <a:scene3d>
-            <a:camera prst="orthographicFront"/>
-            <a:lightRig rig="twoPt" dir="t">
-              <a:rot lat="0" lon="0" rev="7200000"/>
-            </a:lightRig>
-          </a:scene3d>
-          <a:sp3d>
-            <a:bevelT w="25400" h="19050"/>
-            <a:contourClr>
-              <a:srgbClr val="FFFFFF"/>
-            </a:contourClr>
-          </a:sp3d>
-        </p:spPr>
-      </p:pic>
-      <p:sp>
-        <p:nvSpPr>
-          <p:cNvPr id="3" name="Date Placeholder 2">
-            <a:extLst>
-              <a:ext uri="{FF2B5EF4-FFF2-40B4-BE49-F238E27FC236}">
-                <a16:creationId xmlns:a16="http://schemas.microsoft.com/office/drawing/2014/main" id="{DBDE4531-85F2-4389-8DB9-7467D77C78C4}"/>
-              </a:ext>
-            </a:extLst>
-          </p:cNvPr>
-          <p:cNvSpPr>
-            <a:spLocks noGrp="1"/>
-          </p:cNvSpPr>
-          <p:nvPr>
-            <p:ph type="dt" sz="half" idx="10"/>
-          </p:nvPr>
-        </p:nvSpPr>
-        <p:spPr/>
-        <p:txBody>
-          <a:bodyPr/>
-          <a:lstStyle/>
-          <a:p>
-            <a:r>
-              <a:rPr lang="fr-FR"/>
-              <a:t>17-19/10/2023</a:t>
-            </a:r>
-            <a:endParaRPr lang="en-GB"/>
-          </a:p>
-        </p:txBody>
-      </p:sp>
-      <p:sp>
-        <p:nvSpPr>
-          <p:cNvPr id="4" name="Footer Placeholder 3">
-            <a:extLst>
-              <a:ext uri="{FF2B5EF4-FFF2-40B4-BE49-F238E27FC236}">
-                <a16:creationId xmlns:a16="http://schemas.microsoft.com/office/drawing/2014/main" id="{91D95888-C0FA-4581-BAAC-0FB9791AF3C9}"/>
-              </a:ext>
-            </a:extLst>
-          </p:cNvPr>
-          <p:cNvSpPr>
-            <a:spLocks noGrp="1"/>
-          </p:cNvSpPr>
-          <p:nvPr>
-            <p:ph type="ftr" sz="quarter" idx="11"/>
-          </p:nvPr>
-        </p:nvSpPr>
-        <p:spPr/>
-        <p:txBody>
-          <a:bodyPr/>
-          <a:lstStyle/>
-          <a:p>
-            <a:r>
-              <a:rPr lang="en-GB"/>
-              <a:t>CONTRACTORS ORGANISING SOME OF THE COURSES ARE ACTING UNDER A FRAMEWORK CONTRACT CONCLUDED WITH THE COMMISSION</a:t>
-            </a:r>
-          </a:p>
-        </p:txBody>
-      </p:sp>
-    </p:spTree>
-    <p:extLst>
-      <p:ext uri="{BB962C8B-B14F-4D97-AF65-F5344CB8AC3E}">
-        <p14:creationId xmlns:p14="http://schemas.microsoft.com/office/powerpoint/2010/main" val="2041149003"/>
+        <p14:creationId xmlns:p14="http://schemas.microsoft.com/office/powerpoint/2010/main" val="3323444711"/>
       </p:ext>
     </p:extLst>
   </p:cSld>
@@ -8468,18 +7359,18 @@
 </file>
 
 <file path=customXml/item1.xml><?xml version="1.0" encoding="utf-8"?>
+<p:properties xmlns:p="http://schemas.microsoft.com/office/2006/metadata/properties" xmlns:xsi="http://www.w3.org/2001/XMLSchema-instance" xmlns:pc="http://schemas.microsoft.com/office/infopath/2007/PartnerControls">
+  <documentManagement/>
+</p:properties>
+</file>
+
+<file path=customXml/item2.xml><?xml version="1.0" encoding="utf-8"?>
 <?mso-contentType ?>
 <FormTemplates xmlns="http://schemas.microsoft.com/sharepoint/v3/contenttype/forms">
   <Display>DocumentLibraryForm</Display>
   <Edit>DocumentLibraryForm</Edit>
   <New>DocumentLibraryForm</New>
 </FormTemplates>
-</file>
-
-<file path=customXml/item2.xml><?xml version="1.0" encoding="utf-8"?>
-<p:properties xmlns:p="http://schemas.microsoft.com/office/2006/metadata/properties" xmlns:xsi="http://www.w3.org/2001/XMLSchema-instance" xmlns:pc="http://schemas.microsoft.com/office/infopath/2007/PartnerControls">
-  <documentManagement/>
-</p:properties>
 </file>
 
 <file path=customXml/item3.xml><?xml version="1.0" encoding="utf-8"?>
@@ -8700,18 +7591,18 @@
 </file>
 
 <file path=customXml/itemProps1.xml><?xml version="1.0" encoding="utf-8"?>
-<ds:datastoreItem xmlns:ds="http://schemas.openxmlformats.org/officeDocument/2006/customXml" ds:itemID="{8AC53B07-208C-4D54-A8ED-0FFA8B92AA6E}">
+<ds:datastoreItem xmlns:ds="http://schemas.openxmlformats.org/officeDocument/2006/customXml" ds:itemID="{9EFB04F6-2475-4D8E-9782-F5DE69586BA8}">
   <ds:schemaRefs>
-    <ds:schemaRef ds:uri="http://schemas.microsoft.com/sharepoint/v3/contenttype/forms"/>
+    <ds:schemaRef ds:uri="http://schemas.microsoft.com/office/2006/metadata/properties"/>
+    <ds:schemaRef ds:uri="http://schemas.microsoft.com/office/infopath/2007/PartnerControls"/>
   </ds:schemaRefs>
 </ds:datastoreItem>
 </file>
 
 <file path=customXml/itemProps2.xml><?xml version="1.0" encoding="utf-8"?>
-<ds:datastoreItem xmlns:ds="http://schemas.openxmlformats.org/officeDocument/2006/customXml" ds:itemID="{9EFB04F6-2475-4D8E-9782-F5DE69586BA8}">
+<ds:datastoreItem xmlns:ds="http://schemas.openxmlformats.org/officeDocument/2006/customXml" ds:itemID="{8AC53B07-208C-4D54-A8ED-0FFA8B92AA6E}">
   <ds:schemaRefs>
-    <ds:schemaRef ds:uri="http://schemas.microsoft.com/office/2006/metadata/properties"/>
-    <ds:schemaRef ds:uri="http://schemas.microsoft.com/office/infopath/2007/PartnerControls"/>
+    <ds:schemaRef ds:uri="http://schemas.microsoft.com/sharepoint/v3/contenttype/forms"/>
   </ds:schemaRefs>
 </ds:datastoreItem>
 </file>

--- a/Presentations/1.2 JD+ 3.0 Overview.pptx
+++ b/Presentations/1.2 JD+ 3.0 Overview.pptx
@@ -452,7 +452,7 @@
           <a:p>
             <a:fld id="{F4C4CD30-F813-4C38-8B61-75576B87721C}" type="datetimeFigureOut">
               <a:rPr lang="en-GB" smtClean="0"/>
-              <a:t>13/10/2023</a:t>
+              <a:t>16/10/2023</a:t>
             </a:fld>
             <a:endParaRPr lang="en-GB"/>
           </a:p>
@@ -6666,6 +6666,13 @@
           <a:p>
             <a:r>
               <a:rPr lang="fr-BE" dirty="0" err="1"/>
+              <a:t>Jdplus-experimental</a:t>
+            </a:r>
+            <a:endParaRPr lang="fr-BE" dirty="0"/>
+          </a:p>
+          <a:p>
+            <a:r>
+              <a:rPr lang="fr-BE" dirty="0" err="1"/>
               <a:t>Jdplus</a:t>
             </a:r>
             <a:r>
@@ -6688,13 +6695,6 @@
               <a:rPr lang="fr-BE" dirty="0"/>
               <a:t>…</a:t>
             </a:r>
-          </a:p>
-          <a:p>
-            <a:r>
-              <a:rPr lang="fr-BE" dirty="0" err="1"/>
-              <a:t>Jdplus-experimental</a:t>
-            </a:r>
-            <a:endParaRPr lang="fr-BE" dirty="0"/>
           </a:p>
         </p:txBody>
       </p:sp>
@@ -7359,21 +7359,6 @@
 </file>
 
 <file path=customXml/item1.xml><?xml version="1.0" encoding="utf-8"?>
-<p:properties xmlns:p="http://schemas.microsoft.com/office/2006/metadata/properties" xmlns:xsi="http://www.w3.org/2001/XMLSchema-instance" xmlns:pc="http://schemas.microsoft.com/office/infopath/2007/PartnerControls">
-  <documentManagement/>
-</p:properties>
-</file>
-
-<file path=customXml/item2.xml><?xml version="1.0" encoding="utf-8"?>
-<?mso-contentType ?>
-<FormTemplates xmlns="http://schemas.microsoft.com/sharepoint/v3/contenttype/forms">
-  <Display>DocumentLibraryForm</Display>
-  <Edit>DocumentLibraryForm</Edit>
-  <New>DocumentLibraryForm</New>
-</FormTemplates>
-</file>
-
-<file path=customXml/item3.xml><?xml version="1.0" encoding="utf-8"?>
 <ct:contentTypeSchema xmlns:ct="http://schemas.microsoft.com/office/2006/metadata/contentType" xmlns:ma="http://schemas.microsoft.com/office/2006/metadata/properties/metaAttributes" ct:_="" ma:_="" ma:contentTypeName="Document" ma:contentTypeID="0x010100ABB63F615DD6E84C8EECF60191452D6A" ma:contentTypeVersion="12" ma:contentTypeDescription="Create a new document." ma:contentTypeScope="" ma:versionID="75ec2fcf3d4cc4168d280501eecbb346">
   <xsd:schema xmlns:xsd="http://www.w3.org/2001/XMLSchema" xmlns:xs="http://www.w3.org/2001/XMLSchema" xmlns:p="http://schemas.microsoft.com/office/2006/metadata/properties" xmlns:ns3="44a16977-b6dc-4423-9381-62f815043116" xmlns:ns4="db544732-61c8-4216-a771-01c05c0b367f" targetNamespace="http://schemas.microsoft.com/office/2006/metadata/properties" ma:root="true" ma:fieldsID="6cf02e246ffb90c38b2df21ef0eb14d9" ns3:_="" ns4:_="">
     <xsd:import namespace="44a16977-b6dc-4423-9381-62f815043116"/>
@@ -7590,24 +7575,22 @@
 </ct:contentTypeSchema>
 </file>
 
-<file path=customXml/itemProps1.xml><?xml version="1.0" encoding="utf-8"?>
-<ds:datastoreItem xmlns:ds="http://schemas.openxmlformats.org/officeDocument/2006/customXml" ds:itemID="{9EFB04F6-2475-4D8E-9782-F5DE69586BA8}">
-  <ds:schemaRefs>
-    <ds:schemaRef ds:uri="http://schemas.microsoft.com/office/2006/metadata/properties"/>
-    <ds:schemaRef ds:uri="http://schemas.microsoft.com/office/infopath/2007/PartnerControls"/>
-  </ds:schemaRefs>
-</ds:datastoreItem>
+<file path=customXml/item2.xml><?xml version="1.0" encoding="utf-8"?>
+<?mso-contentType ?>
+<FormTemplates xmlns="http://schemas.microsoft.com/sharepoint/v3/contenttype/forms">
+  <Display>DocumentLibraryForm</Display>
+  <Edit>DocumentLibraryForm</Edit>
+  <New>DocumentLibraryForm</New>
+</FormTemplates>
 </file>
 
-<file path=customXml/itemProps2.xml><?xml version="1.0" encoding="utf-8"?>
-<ds:datastoreItem xmlns:ds="http://schemas.openxmlformats.org/officeDocument/2006/customXml" ds:itemID="{8AC53B07-208C-4D54-A8ED-0FFA8B92AA6E}">
-  <ds:schemaRefs>
-    <ds:schemaRef ds:uri="http://schemas.microsoft.com/sharepoint/v3/contenttype/forms"/>
-  </ds:schemaRefs>
-</ds:datastoreItem>
+<file path=customXml/item3.xml><?xml version="1.0" encoding="utf-8"?>
+<p:properties xmlns:p="http://schemas.microsoft.com/office/2006/metadata/properties" xmlns:xsi="http://www.w3.org/2001/XMLSchema-instance" xmlns:pc="http://schemas.microsoft.com/office/infopath/2007/PartnerControls">
+  <documentManagement/>
+</p:properties>
 </file>
 
-<file path=customXml/itemProps3.xml><?xml version="1.0" encoding="utf-8"?>
+<file path=customXml/itemProps1.xml><?xml version="1.0" encoding="utf-8"?>
 <ds:datastoreItem xmlns:ds="http://schemas.openxmlformats.org/officeDocument/2006/customXml" ds:itemID="{64922E43-271D-4E15-BEB4-9C356160871D}">
   <ds:schemaRefs>
     <ds:schemaRef ds:uri="http://schemas.microsoft.com/office/2006/metadata/contentType"/>
@@ -7624,4 +7607,21 @@
     <ds:schemaRef ds:uri="http://schemas.microsoft.com/internal/obd"/>
   </ds:schemaRefs>
 </ds:datastoreItem>
+</file>
+
+<file path=customXml/itemProps2.xml><?xml version="1.0" encoding="utf-8"?>
+<ds:datastoreItem xmlns:ds="http://schemas.openxmlformats.org/officeDocument/2006/customXml" ds:itemID="{8AC53B07-208C-4D54-A8ED-0FFA8B92AA6E}">
+  <ds:schemaRefs>
+    <ds:schemaRef ds:uri="http://schemas.microsoft.com/sharepoint/v3/contenttype/forms"/>
+  </ds:schemaRefs>
+</ds:datastoreItem>
+</file>
+
+<file path=customXml/itemProps3.xml><?xml version="1.0" encoding="utf-8"?>
+<ds:datastoreItem xmlns:ds="http://schemas.openxmlformats.org/officeDocument/2006/customXml" ds:itemID="{9EFB04F6-2475-4D8E-9782-F5DE69586BA8}">
+  <ds:schemaRefs>
+    <ds:schemaRef ds:uri="http://schemas.microsoft.com/office/2006/metadata/properties"/>
+    <ds:schemaRef ds:uri="http://schemas.microsoft.com/office/infopath/2007/PartnerControls"/>
+  </ds:schemaRefs>
+</ds:datastoreItem>
 </file>